--- a/packages/ui/public/Capstone Presentation.pptx
+++ b/packages/ui/public/Capstone Presentation.pptx
@@ -9,10 +9,14 @@
     <p:sldId id="258" r:id="rId3"/>
     <p:sldId id="257" r:id="rId4"/>
     <p:sldId id="260" r:id="rId5"/>
-    <p:sldId id="259" r:id="rId6"/>
-    <p:sldId id="261" r:id="rId7"/>
-    <p:sldId id="262" r:id="rId8"/>
-    <p:sldId id="263" r:id="rId9"/>
+    <p:sldId id="265" r:id="rId6"/>
+    <p:sldId id="267" r:id="rId7"/>
+    <p:sldId id="268" r:id="rId8"/>
+    <p:sldId id="266" r:id="rId9"/>
+    <p:sldId id="259" r:id="rId10"/>
+    <p:sldId id="262" r:id="rId11"/>
+    <p:sldId id="263" r:id="rId12"/>
+    <p:sldId id="264" r:id="rId13"/>
   </p:sldIdLst>
   <p:sldSz cx="12192000" cy="6858000"/>
   <p:notesSz cx="6858000" cy="9144000"/>
@@ -5546,6 +5550,367 @@
 </p:sld>
 </file>
 
+<file path=ppt/slides/slide10.xml><?xml version="1.0" encoding="utf-8"?>
+<p:sld xmlns:a="http://schemas.openxmlformats.org/drawingml/2006/main" xmlns:r="http://schemas.openxmlformats.org/officeDocument/2006/relationships" xmlns:p="http://schemas.openxmlformats.org/presentationml/2006/main">
+  <p:cSld>
+    <p:spTree>
+      <p:nvGrpSpPr>
+        <p:cNvPr id="1" name=""/>
+        <p:cNvGrpSpPr/>
+        <p:nvPr/>
+      </p:nvGrpSpPr>
+      <p:grpSpPr>
+        <a:xfrm>
+          <a:off x="0" y="0"/>
+          <a:ext cx="0" cy="0"/>
+          <a:chOff x="0" y="0"/>
+          <a:chExt cx="0" cy="0"/>
+        </a:xfrm>
+      </p:grpSpPr>
+      <p:sp>
+        <p:nvSpPr>
+          <p:cNvPr id="2" name="Title 1">
+            <a:extLst>
+              <a:ext uri="{FF2B5EF4-FFF2-40B4-BE49-F238E27FC236}">
+                <a16:creationId xmlns:a16="http://schemas.microsoft.com/office/drawing/2014/main" id="{2E150A3F-6D65-4144-B797-B0F6395A44AD}"/>
+              </a:ext>
+            </a:extLst>
+          </p:cNvPr>
+          <p:cNvSpPr>
+            <a:spLocks noGrp="1"/>
+          </p:cNvSpPr>
+          <p:nvPr>
+            <p:ph type="title"/>
+          </p:nvPr>
+        </p:nvSpPr>
+        <p:spPr/>
+        <p:txBody>
+          <a:bodyPr/>
+          <a:lstStyle/>
+          <a:p>
+            <a:r>
+              <a:rPr lang="en-US" dirty="0"/>
+              <a:t>Demo</a:t>
+            </a:r>
+          </a:p>
+        </p:txBody>
+      </p:sp>
+      <p:sp>
+        <p:nvSpPr>
+          <p:cNvPr id="3" name="Content Placeholder 2">
+            <a:extLst>
+              <a:ext uri="{FF2B5EF4-FFF2-40B4-BE49-F238E27FC236}">
+                <a16:creationId xmlns:a16="http://schemas.microsoft.com/office/drawing/2014/main" id="{14BDBE1F-B2DF-E742-A5E0-7403D533DACF}"/>
+              </a:ext>
+            </a:extLst>
+          </p:cNvPr>
+          <p:cNvSpPr>
+            <a:spLocks noGrp="1"/>
+          </p:cNvSpPr>
+          <p:nvPr>
+            <p:ph idx="1"/>
+          </p:nvPr>
+        </p:nvSpPr>
+        <p:spPr/>
+        <p:txBody>
+          <a:bodyPr/>
+          <a:lstStyle/>
+          <a:p>
+            <a:endParaRPr lang="en-US" dirty="0"/>
+          </a:p>
+        </p:txBody>
+      </p:sp>
+    </p:spTree>
+    <p:extLst>
+      <p:ext uri="{BB962C8B-B14F-4D97-AF65-F5344CB8AC3E}">
+        <p14:creationId xmlns:p14="http://schemas.microsoft.com/office/powerpoint/2010/main" val="4244501427"/>
+      </p:ext>
+    </p:extLst>
+  </p:cSld>
+  <p:clrMapOvr>
+    <a:masterClrMapping/>
+  </p:clrMapOvr>
+</p:sld>
+</file>
+
+<file path=ppt/slides/slide11.xml><?xml version="1.0" encoding="utf-8"?>
+<p:sld xmlns:a="http://schemas.openxmlformats.org/drawingml/2006/main" xmlns:r="http://schemas.openxmlformats.org/officeDocument/2006/relationships" xmlns:p="http://schemas.openxmlformats.org/presentationml/2006/main">
+  <p:cSld>
+    <p:spTree>
+      <p:nvGrpSpPr>
+        <p:cNvPr id="1" name=""/>
+        <p:cNvGrpSpPr/>
+        <p:nvPr/>
+      </p:nvGrpSpPr>
+      <p:grpSpPr>
+        <a:xfrm>
+          <a:off x="0" y="0"/>
+          <a:ext cx="0" cy="0"/>
+          <a:chOff x="0" y="0"/>
+          <a:chExt cx="0" cy="0"/>
+        </a:xfrm>
+      </p:grpSpPr>
+      <p:sp>
+        <p:nvSpPr>
+          <p:cNvPr id="2" name="Title 1">
+            <a:extLst>
+              <a:ext uri="{FF2B5EF4-FFF2-40B4-BE49-F238E27FC236}">
+                <a16:creationId xmlns:a16="http://schemas.microsoft.com/office/drawing/2014/main" id="{98149328-0196-F441-BA63-11F1EA236802}"/>
+              </a:ext>
+            </a:extLst>
+          </p:cNvPr>
+          <p:cNvSpPr>
+            <a:spLocks noGrp="1"/>
+          </p:cNvSpPr>
+          <p:nvPr>
+            <p:ph type="title"/>
+          </p:nvPr>
+        </p:nvSpPr>
+        <p:spPr/>
+        <p:txBody>
+          <a:bodyPr/>
+          <a:lstStyle/>
+          <a:p>
+            <a:r>
+              <a:rPr lang="en-US" dirty="0"/>
+              <a:t>Conclusion</a:t>
+            </a:r>
+          </a:p>
+        </p:txBody>
+      </p:sp>
+      <p:sp>
+        <p:nvSpPr>
+          <p:cNvPr id="3" name="Content Placeholder 2">
+            <a:extLst>
+              <a:ext uri="{FF2B5EF4-FFF2-40B4-BE49-F238E27FC236}">
+                <a16:creationId xmlns:a16="http://schemas.microsoft.com/office/drawing/2014/main" id="{9C6774FF-BF21-9F4B-9371-3FE18646CC51}"/>
+              </a:ext>
+            </a:extLst>
+          </p:cNvPr>
+          <p:cNvSpPr>
+            <a:spLocks noGrp="1"/>
+          </p:cNvSpPr>
+          <p:nvPr>
+            <p:ph idx="1"/>
+          </p:nvPr>
+        </p:nvSpPr>
+        <p:spPr/>
+        <p:txBody>
+          <a:bodyPr>
+            <a:normAutofit fontScale="92500"/>
+          </a:bodyPr>
+          <a:lstStyle/>
+          <a:p>
+            <a:r>
+              <a:rPr lang="en-US" dirty="0"/>
+              <a:t>Conducting the research was essential to the success of the project</a:t>
+            </a:r>
+          </a:p>
+          <a:p>
+            <a:r>
+              <a:rPr lang="en-US" dirty="0"/>
+              <a:t>Apply skills learned overed the last two years at Tiffin and complimenting with my own</a:t>
+            </a:r>
+          </a:p>
+          <a:p>
+            <a:r>
+              <a:rPr lang="en-US" dirty="0"/>
+              <a:t>Leveraged AWS services to create a secure and reliable application faster</a:t>
+            </a:r>
+          </a:p>
+          <a:p>
+            <a:r>
+              <a:rPr lang="en-US" dirty="0"/>
+              <a:t>It was a joy working with professor Fritz and everyone at Tiffin.</a:t>
+            </a:r>
+          </a:p>
+        </p:txBody>
+      </p:sp>
+    </p:spTree>
+    <p:extLst>
+      <p:ext uri="{BB962C8B-B14F-4D97-AF65-F5344CB8AC3E}">
+        <p14:creationId xmlns:p14="http://schemas.microsoft.com/office/powerpoint/2010/main" val="2746271444"/>
+      </p:ext>
+    </p:extLst>
+  </p:cSld>
+  <p:clrMapOvr>
+    <a:masterClrMapping/>
+  </p:clrMapOvr>
+</p:sld>
+</file>
+
+<file path=ppt/slides/slide12.xml><?xml version="1.0" encoding="utf-8"?>
+<p:sld xmlns:a="http://schemas.openxmlformats.org/drawingml/2006/main" xmlns:r="http://schemas.openxmlformats.org/officeDocument/2006/relationships" xmlns:p="http://schemas.openxmlformats.org/presentationml/2006/main">
+  <p:cSld>
+    <p:spTree>
+      <p:nvGrpSpPr>
+        <p:cNvPr id="1" name=""/>
+        <p:cNvGrpSpPr/>
+        <p:nvPr/>
+      </p:nvGrpSpPr>
+      <p:grpSpPr>
+        <a:xfrm>
+          <a:off x="0" y="0"/>
+          <a:ext cx="0" cy="0"/>
+          <a:chOff x="0" y="0"/>
+          <a:chExt cx="0" cy="0"/>
+        </a:xfrm>
+      </p:grpSpPr>
+      <p:sp>
+        <p:nvSpPr>
+          <p:cNvPr id="2" name="Title 1">
+            <a:extLst>
+              <a:ext uri="{FF2B5EF4-FFF2-40B4-BE49-F238E27FC236}">
+                <a16:creationId xmlns:a16="http://schemas.microsoft.com/office/drawing/2014/main" id="{B5D334C9-D7C2-AF4B-A956-7156D6B61D2D}"/>
+              </a:ext>
+            </a:extLst>
+          </p:cNvPr>
+          <p:cNvSpPr>
+            <a:spLocks noGrp="1"/>
+          </p:cNvSpPr>
+          <p:nvPr>
+            <p:ph type="title"/>
+          </p:nvPr>
+        </p:nvSpPr>
+        <p:spPr/>
+        <p:txBody>
+          <a:bodyPr/>
+          <a:lstStyle/>
+          <a:p>
+            <a:r>
+              <a:rPr lang="en-US" dirty="0"/>
+              <a:t>References</a:t>
+            </a:r>
+          </a:p>
+        </p:txBody>
+      </p:sp>
+      <p:sp>
+        <p:nvSpPr>
+          <p:cNvPr id="3" name="Content Placeholder 2">
+            <a:extLst>
+              <a:ext uri="{FF2B5EF4-FFF2-40B4-BE49-F238E27FC236}">
+                <a16:creationId xmlns:a16="http://schemas.microsoft.com/office/drawing/2014/main" id="{D17FD4EC-0086-B643-A4A7-21B1DFB4A158}"/>
+              </a:ext>
+            </a:extLst>
+          </p:cNvPr>
+          <p:cNvSpPr>
+            <a:spLocks noGrp="1"/>
+          </p:cNvSpPr>
+          <p:nvPr>
+            <p:ph idx="1"/>
+          </p:nvPr>
+        </p:nvSpPr>
+        <p:spPr/>
+        <p:txBody>
+          <a:bodyPr>
+            <a:normAutofit fontScale="62500" lnSpcReduction="20000"/>
+          </a:bodyPr>
+          <a:lstStyle/>
+          <a:p>
+            <a:r>
+              <a:rPr lang="en-US" dirty="0"/>
+              <a:t>5 facts about the state of the gender pay gap. 5 Facts About the State of the Gender Pay Gap. (n.d.). Retrieved September 25, 2021, from </a:t>
+            </a:r>
+            <a:r>
+              <a:rPr lang="en-US" dirty="0">
+                <a:hlinkClick r:id="rId2"/>
+              </a:rPr>
+              <a:t>https://blog.dol.gov/2021/03/19/5-facts-about-the-state-of-the-gender-pay-gap</a:t>
+            </a:r>
+            <a:r>
+              <a:rPr lang="en-US" dirty="0"/>
+              <a:t>.</a:t>
+            </a:r>
+          </a:p>
+          <a:p>
+            <a:r>
+              <a:rPr lang="en-US" dirty="0"/>
+              <a:t>About indeed. (n.d.). Retrieved September 25, 2021, from </a:t>
+            </a:r>
+            <a:r>
+              <a:rPr lang="en-US" dirty="0">
+                <a:hlinkClick r:id="rId3"/>
+              </a:rPr>
+              <a:t>https://www.indeed.com/about</a:t>
+            </a:r>
+            <a:r>
+              <a:rPr lang="en-US" dirty="0"/>
+              <a:t>.</a:t>
+            </a:r>
+          </a:p>
+          <a:p>
+            <a:r>
+              <a:rPr lang="en-US" dirty="0"/>
+              <a:t>Atlassian. (n.d.). What is a Kanban Board? Atlassian. Retrieved October 6, 2021, from </a:t>
+            </a:r>
+            <a:r>
+              <a:rPr lang="en-US" dirty="0">
+                <a:hlinkClick r:id="rId4"/>
+              </a:rPr>
+              <a:t>https://www.atlassian.com/agile/kanban/boards</a:t>
+            </a:r>
+            <a:r>
+              <a:rPr lang="en-US" dirty="0"/>
+              <a:t>.</a:t>
+            </a:r>
+          </a:p>
+          <a:p>
+            <a:r>
+              <a:rPr lang="en-US" dirty="0"/>
+              <a:t>AWS AppSync. Amazon. (n.d.). Retrieved September 25, 2021, from  </a:t>
+            </a:r>
+            <a:r>
+              <a:rPr lang="en-US" dirty="0">
+                <a:hlinkClick r:id="rId5"/>
+              </a:rPr>
+              <a:t>https://aws.amazon.com/appsync</a:t>
+            </a:r>
+            <a:r>
+              <a:rPr lang="en-US" dirty="0"/>
+              <a:t>  </a:t>
+            </a:r>
+          </a:p>
+          <a:p>
+            <a:r>
+              <a:rPr lang="en-US" dirty="0"/>
+              <a:t>AWS Cognito (n.d.). Retrieved November 16, 2021, from  </a:t>
+            </a:r>
+            <a:r>
+              <a:rPr lang="en-US" dirty="0">
+                <a:hlinkClick r:id="rId6"/>
+              </a:rPr>
+              <a:t>https://aws.amazon.com/cognito</a:t>
+            </a:r>
+            <a:r>
+              <a:rPr lang="en-US" dirty="0"/>
+              <a:t> </a:t>
+            </a:r>
+            <a:br>
+              <a:rPr lang="en-US" dirty="0"/>
+            </a:br>
+            <a:br>
+              <a:rPr lang="en-US" dirty="0"/>
+            </a:br>
+            <a:br>
+              <a:rPr lang="en-US" dirty="0"/>
+            </a:br>
+            <a:endParaRPr lang="en-US" dirty="0"/>
+          </a:p>
+        </p:txBody>
+      </p:sp>
+    </p:spTree>
+    <p:extLst>
+      <p:ext uri="{BB962C8B-B14F-4D97-AF65-F5344CB8AC3E}">
+        <p14:creationId xmlns:p14="http://schemas.microsoft.com/office/powerpoint/2010/main" val="3927616359"/>
+      </p:ext>
+    </p:extLst>
+  </p:cSld>
+  <p:clrMapOvr>
+    <a:masterClrMapping/>
+  </p:clrMapOvr>
+</p:sld>
+</file>
+
 <file path=ppt/slides/slide2.xml><?xml version="1.0" encoding="utf-8"?>
 <p:sld xmlns:a="http://schemas.openxmlformats.org/drawingml/2006/main" xmlns:r="http://schemas.openxmlformats.org/officeDocument/2006/relationships" xmlns:p="http://schemas.openxmlformats.org/presentationml/2006/main">
   <p:cSld>
@@ -6190,12 +6555,49 @@
         </p:nvSpPr>
         <p:spPr/>
         <p:txBody>
-          <a:bodyPr/>
-          <a:lstStyle/>
-          <a:p>
+          <a:bodyPr>
+            <a:normAutofit fontScale="77500" lnSpcReduction="20000"/>
+          </a:bodyPr>
+          <a:lstStyle/>
+          <a:p>
+            <a:pPr marL="0" indent="0" algn="ctr">
+              <a:buNone/>
+            </a:pPr>
+            <a:r>
+              <a:rPr lang="en-US" sz="3200" i="1" dirty="0"/>
+              <a:t>Helping women who want to work remotely, find jobs.</a:t>
+            </a:r>
+          </a:p>
+          <a:p>
+            <a:pPr marL="0" indent="0">
+              <a:buNone/>
+            </a:pPr>
+            <a:endParaRPr lang="en-US" dirty="0"/>
+          </a:p>
+          <a:p>
+            <a:pPr marL="0" indent="0">
+              <a:buNone/>
+            </a:pPr>
             <a:r>
               <a:rPr lang="en-US" dirty="0"/>
-              <a:t>Job engine for women to improve their lives</a:t>
+              <a:t>“Women earn 82 cents for every dollar a man earns” (5 facts about the state of the gender pay gap), which is why the targeted audience is women. Women shouldn't have to choose between having a career and helping their families.</a:t>
+            </a:r>
+          </a:p>
+          <a:p>
+            <a:pPr marL="0" indent="0">
+              <a:buNone/>
+            </a:pPr>
+            <a:r>
+              <a:rPr lang="en-US" dirty="0"/>
+              <a:t>This project has a single developer to execute all of the phases. Popular job-search sites, like Indeed and LinkedIn, have millions of visitors a month. </a:t>
+            </a:r>
+            <a:r>
+              <a:rPr lang="en-US" dirty="0" err="1"/>
+              <a:t>Indeed.com</a:t>
+            </a:r>
+            <a:r>
+              <a:rPr lang="en-US" dirty="0"/>
+              <a:t> reports it has 250M unique monthly visitors (About indeed, n.d.).</a:t>
             </a:r>
           </a:p>
         </p:txBody>
@@ -6276,10 +6678,51 @@
         </p:nvSpPr>
         <p:spPr/>
         <p:txBody>
-          <a:bodyPr/>
-          <a:lstStyle/>
-          <a:p>
-            <a:endParaRPr lang="en-US"/>
+          <a:bodyPr>
+            <a:normAutofit fontScale="92500" lnSpcReduction="20000"/>
+          </a:bodyPr>
+          <a:lstStyle/>
+          <a:p>
+            <a:r>
+              <a:rPr lang="en-US" b="1" u="sng" dirty="0">
+                <a:hlinkClick r:id="rId2"/>
+              </a:rPr>
+              <a:t>Github Kanban Board</a:t>
+            </a:r>
+            <a:endParaRPr lang="en-US" b="1" dirty="0"/>
+          </a:p>
+          <a:p>
+            <a:r>
+              <a:rPr lang="en-US" dirty="0"/>
+              <a:t>Three types of users: job seekers, job creators, and content creators.</a:t>
+            </a:r>
+          </a:p>
+          <a:p>
+            <a:r>
+              <a:rPr lang="en-US" dirty="0"/>
+              <a:t>Job Seekers: find jobs and level-up</a:t>
+            </a:r>
+          </a:p>
+          <a:p>
+            <a:r>
+              <a:rPr lang="en-US" dirty="0"/>
+              <a:t>Job Creators: add jobs to the boards.</a:t>
+            </a:r>
+          </a:p>
+          <a:p>
+            <a:r>
+              <a:rPr lang="en-US" dirty="0"/>
+              <a:t>Content Creators: can be either job seekers or creators, but they add content.</a:t>
+            </a:r>
+          </a:p>
+          <a:p>
+            <a:r>
+              <a:rPr lang="en-US" dirty="0"/>
+              <a:t>Other Views</a:t>
+            </a:r>
+          </a:p>
+          <a:p>
+            <a:endParaRPr lang="en-US" dirty="0"/>
           </a:p>
         </p:txBody>
       </p:sp>
@@ -6318,7 +6761,7 @@
           <p:cNvPr id="2" name="Title 1">
             <a:extLst>
               <a:ext uri="{FF2B5EF4-FFF2-40B4-BE49-F238E27FC236}">
-                <a16:creationId xmlns:a16="http://schemas.microsoft.com/office/drawing/2014/main" id="{A5335424-7114-7C48-BBB9-2C618EB4D0DA}"/>
+                <a16:creationId xmlns:a16="http://schemas.microsoft.com/office/drawing/2014/main" id="{118D8A0E-E4AF-7847-BDFB-BD2DA23C79D9}"/>
               </a:ext>
             </a:extLst>
           </p:cNvPr>
@@ -6336,40 +6779,264 @@
           <a:p>
             <a:r>
               <a:rPr lang="en-US" dirty="0"/>
-              <a:t>Technology Stack</a:t>
-            </a:r>
-          </a:p>
-        </p:txBody>
-      </p:sp>
-      <p:sp>
-        <p:nvSpPr>
-          <p:cNvPr id="3" name="Content Placeholder 2">
-            <a:extLst>
-              <a:ext uri="{FF2B5EF4-FFF2-40B4-BE49-F238E27FC236}">
-                <a16:creationId xmlns:a16="http://schemas.microsoft.com/office/drawing/2014/main" id="{0E8954AD-E7CF-3C4F-B532-07C606A4CE9B}"/>
-              </a:ext>
-            </a:extLst>
-          </p:cNvPr>
-          <p:cNvSpPr>
-            <a:spLocks noGrp="1"/>
-          </p:cNvSpPr>
+              <a:t>More planning</a:t>
+            </a:r>
+          </a:p>
+        </p:txBody>
+      </p:sp>
+      <p:pic>
+        <p:nvPicPr>
+          <p:cNvPr id="1026" name="Picture 2" descr="use-cases">
+            <a:extLst>
+              <a:ext uri="{FF2B5EF4-FFF2-40B4-BE49-F238E27FC236}">
+                <a16:creationId xmlns:a16="http://schemas.microsoft.com/office/drawing/2014/main" id="{7D038F6B-28B4-2740-9AD7-C4D45C3C590B}"/>
+              </a:ext>
+            </a:extLst>
+          </p:cNvPr>
+          <p:cNvPicPr>
+            <a:picLocks noGrp="1" noChangeAspect="1" noChangeArrowheads="1"/>
+          </p:cNvPicPr>
           <p:nvPr>
             <p:ph idx="1"/>
           </p:nvPr>
-        </p:nvSpPr>
-        <p:spPr/>
-        <p:txBody>
-          <a:bodyPr/>
-          <a:lstStyle/>
-          <a:p>
-            <a:endParaRPr lang="en-US"/>
-          </a:p>
-        </p:txBody>
-      </p:sp>
+        </p:nvPicPr>
+        <p:blipFill>
+          <a:blip r:embed="rId2">
+            <a:extLst>
+              <a:ext uri="{28A0092B-C50C-407E-A947-70E740481C1C}">
+                <a14:useLocalDpi xmlns:a14="http://schemas.microsoft.com/office/drawing/2010/main" val="0"/>
+              </a:ext>
+            </a:extLst>
+          </a:blip>
+          <a:srcRect/>
+          <a:stretch>
+            <a:fillRect/>
+          </a:stretch>
+        </p:blipFill>
+        <p:spPr bwMode="auto">
+          <a:xfrm>
+            <a:off x="748977" y="2462447"/>
+            <a:ext cx="3951611" cy="2667338"/>
+          </a:xfrm>
+          <a:prstGeom prst="roundRect">
+            <a:avLst>
+              <a:gd name="adj" fmla="val 8594"/>
+            </a:avLst>
+          </a:prstGeom>
+          <a:solidFill>
+            <a:srgbClr val="FFFFFF">
+              <a:shade val="85000"/>
+            </a:srgbClr>
+          </a:solidFill>
+          <a:ln>
+            <a:noFill/>
+          </a:ln>
+          <a:effectLst>
+            <a:reflection blurRad="12700" stA="38000" endPos="28000" dist="5000" dir="5400000" sy="-100000" algn="bl" rotWithShape="0"/>
+          </a:effectLst>
+          <a:extLst>
+            <a:ext uri="{909E8E84-426E-40DD-AFC4-6F175D3DCCD1}">
+              <a14:hiddenFill xmlns:a14="http://schemas.microsoft.com/office/drawing/2010/main">
+                <a:solidFill>
+                  <a:srgbClr val="FFFFFF"/>
+                </a:solidFill>
+              </a14:hiddenFill>
+            </a:ext>
+          </a:extLst>
+        </p:spPr>
+      </p:pic>
+      <p:pic>
+        <p:nvPicPr>
+          <p:cNvPr id="1028" name="Picture 4" descr="JobSeekerSignUp">
+            <a:extLst>
+              <a:ext uri="{FF2B5EF4-FFF2-40B4-BE49-F238E27FC236}">
+                <a16:creationId xmlns:a16="http://schemas.microsoft.com/office/drawing/2014/main" id="{58197103-A326-184D-987D-011840CD901B}"/>
+              </a:ext>
+            </a:extLst>
+          </p:cNvPr>
+          <p:cNvPicPr>
+            <a:picLocks noChangeAspect="1" noChangeArrowheads="1"/>
+          </p:cNvPicPr>
+          <p:nvPr/>
+        </p:nvPicPr>
+        <p:blipFill>
+          <a:blip r:embed="rId3">
+            <a:extLst>
+              <a:ext uri="{28A0092B-C50C-407E-A947-70E740481C1C}">
+                <a14:useLocalDpi xmlns:a14="http://schemas.microsoft.com/office/drawing/2010/main" val="0"/>
+              </a:ext>
+            </a:extLst>
+          </a:blip>
+          <a:srcRect/>
+          <a:stretch>
+            <a:fillRect/>
+          </a:stretch>
+        </p:blipFill>
+        <p:spPr bwMode="auto">
+          <a:xfrm>
+            <a:off x="3573462" y="3234953"/>
+            <a:ext cx="4341813" cy="2922959"/>
+          </a:xfrm>
+          <a:prstGeom prst="rect">
+            <a:avLst/>
+          </a:prstGeom>
+          <a:ln>
+            <a:noFill/>
+          </a:ln>
+          <a:effectLst>
+            <a:outerShdw blurRad="292100" dist="139700" dir="2700000" algn="tl" rotWithShape="0">
+              <a:srgbClr val="333333">
+                <a:alpha val="65000"/>
+              </a:srgbClr>
+            </a:outerShdw>
+          </a:effectLst>
+          <a:extLst>
+            <a:ext uri="{909E8E84-426E-40DD-AFC4-6F175D3DCCD1}">
+              <a14:hiddenFill xmlns:a14="http://schemas.microsoft.com/office/drawing/2010/main">
+                <a:solidFill>
+                  <a:srgbClr val="FFFFFF"/>
+                </a:solidFill>
+              </a14:hiddenFill>
+            </a:ext>
+          </a:extLst>
+        </p:spPr>
+      </p:pic>
+      <p:pic>
+        <p:nvPicPr>
+          <p:cNvPr id="1030" name="Picture 6" descr="Context Diagram -Job Finder">
+            <a:extLst>
+              <a:ext uri="{FF2B5EF4-FFF2-40B4-BE49-F238E27FC236}">
+                <a16:creationId xmlns:a16="http://schemas.microsoft.com/office/drawing/2014/main" id="{48E65236-9D48-9B41-9D94-A0789F4E81FB}"/>
+              </a:ext>
+            </a:extLst>
+          </p:cNvPr>
+          <p:cNvPicPr>
+            <a:picLocks noChangeAspect="1" noChangeArrowheads="1"/>
+          </p:cNvPicPr>
+          <p:nvPr/>
+        </p:nvPicPr>
+        <p:blipFill>
+          <a:blip r:embed="rId4">
+            <a:extLst>
+              <a:ext uri="{28A0092B-C50C-407E-A947-70E740481C1C}">
+                <a14:useLocalDpi xmlns:a14="http://schemas.microsoft.com/office/drawing/2010/main" val="0"/>
+              </a:ext>
+            </a:extLst>
+          </a:blip>
+          <a:srcRect/>
+          <a:stretch>
+            <a:fillRect/>
+          </a:stretch>
+        </p:blipFill>
+        <p:spPr bwMode="auto">
+          <a:xfrm>
+            <a:off x="5735549" y="2082810"/>
+            <a:ext cx="3604037" cy="1903403"/>
+          </a:xfrm>
+          <a:prstGeom prst="rect">
+            <a:avLst/>
+          </a:prstGeom>
+          <a:ln>
+            <a:noFill/>
+          </a:ln>
+          <a:effectLst>
+            <a:outerShdw blurRad="292100" dist="139700" dir="2700000" algn="tl" rotWithShape="0">
+              <a:srgbClr val="333333">
+                <a:alpha val="65000"/>
+              </a:srgbClr>
+            </a:outerShdw>
+          </a:effectLst>
+          <a:extLst>
+            <a:ext uri="{909E8E84-426E-40DD-AFC4-6F175D3DCCD1}">
+              <a14:hiddenFill xmlns:a14="http://schemas.microsoft.com/office/drawing/2010/main">
+                <a:solidFill>
+                  <a:srgbClr val="FFFFFF"/>
+                </a:solidFill>
+              </a14:hiddenFill>
+            </a:ext>
+          </a:extLst>
+        </p:spPr>
+      </p:pic>
+      <p:pic>
+        <p:nvPicPr>
+          <p:cNvPr id="1032" name="Picture 8" descr="JobSeekerSignUp">
+            <a:extLst>
+              <a:ext uri="{FF2B5EF4-FFF2-40B4-BE49-F238E27FC236}">
+                <a16:creationId xmlns:a16="http://schemas.microsoft.com/office/drawing/2014/main" id="{F90A1E25-CC22-D14D-8E89-3FF65943186D}"/>
+              </a:ext>
+            </a:extLst>
+          </p:cNvPr>
+          <p:cNvPicPr>
+            <a:picLocks noChangeAspect="1" noChangeArrowheads="1"/>
+          </p:cNvPicPr>
+          <p:nvPr/>
+        </p:nvPicPr>
+        <p:blipFill>
+          <a:blip r:embed="rId5">
+            <a:extLst>
+              <a:ext uri="{28A0092B-C50C-407E-A947-70E740481C1C}">
+                <a14:useLocalDpi xmlns:a14="http://schemas.microsoft.com/office/drawing/2010/main" val="0"/>
+              </a:ext>
+            </a:extLst>
+          </a:blip>
+          <a:srcRect/>
+          <a:stretch>
+            <a:fillRect/>
+          </a:stretch>
+        </p:blipFill>
+        <p:spPr bwMode="auto">
+          <a:xfrm>
+            <a:off x="8726022" y="3434530"/>
+            <a:ext cx="2557674" cy="2414587"/>
+          </a:xfrm>
+          <a:prstGeom prst="rect">
+            <a:avLst/>
+          </a:prstGeom>
+          <a:solidFill>
+            <a:srgbClr val="FFFFFF">
+              <a:shade val="85000"/>
+            </a:srgbClr>
+          </a:solidFill>
+          <a:ln w="88900" cap="sq">
+            <a:solidFill>
+              <a:srgbClr val="FFFFFF"/>
+            </a:solidFill>
+            <a:miter lim="800000"/>
+          </a:ln>
+          <a:effectLst>
+            <a:outerShdw blurRad="55000" dist="18000" dir="5400000" algn="tl" rotWithShape="0">
+              <a:srgbClr val="000000">
+                <a:alpha val="40000"/>
+              </a:srgbClr>
+            </a:outerShdw>
+          </a:effectLst>
+          <a:scene3d>
+            <a:camera prst="orthographicFront"/>
+            <a:lightRig rig="twoPt" dir="t">
+              <a:rot lat="0" lon="0" rev="7200000"/>
+            </a:lightRig>
+          </a:scene3d>
+          <a:sp3d>
+            <a:bevelT w="25400" h="19050"/>
+            <a:contourClr>
+              <a:srgbClr val="FFFFFF"/>
+            </a:contourClr>
+          </a:sp3d>
+          <a:extLst>
+            <a:ext uri="{909E8E84-426E-40DD-AFC4-6F175D3DCCD1}">
+              <a14:hiddenFill xmlns:a14="http://schemas.microsoft.com/office/drawing/2010/main">
+                <a:solidFill>
+                  <a:srgbClr val="FFFFFF"/>
+                </a:solidFill>
+              </a14:hiddenFill>
+            </a:ext>
+          </a:extLst>
+        </p:spPr>
+      </p:pic>
     </p:spTree>
     <p:extLst>
       <p:ext uri="{BB962C8B-B14F-4D97-AF65-F5344CB8AC3E}">
-        <p14:creationId xmlns:p14="http://schemas.microsoft.com/office/powerpoint/2010/main" val="150859288"/>
+        <p14:creationId xmlns:p14="http://schemas.microsoft.com/office/powerpoint/2010/main" val="102827706"/>
       </p:ext>
     </p:extLst>
   </p:cSld>
@@ -6382,6 +7049,14 @@
 <file path=ppt/slides/slide6.xml><?xml version="1.0" encoding="utf-8"?>
 <p:sld xmlns:a="http://schemas.openxmlformats.org/drawingml/2006/main" xmlns:r="http://schemas.openxmlformats.org/officeDocument/2006/relationships" xmlns:p="http://schemas.openxmlformats.org/presentationml/2006/main">
   <p:cSld>
+    <p:bg>
+      <p:bgPr>
+        <a:solidFill>
+          <a:schemeClr val="bg1"/>
+        </a:solidFill>
+        <a:effectLst/>
+      </p:bgPr>
+    </p:bg>
     <p:spTree>
       <p:nvGrpSpPr>
         <p:cNvPr id="1" name=""/>
@@ -6398,10 +7073,360 @@
       </p:grpSpPr>
       <p:sp>
         <p:nvSpPr>
+          <p:cNvPr id="77" name="Rectangle 76">
+            <a:extLst>
+              <a:ext uri="{FF2B5EF4-FFF2-40B4-BE49-F238E27FC236}">
+                <a16:creationId xmlns:a16="http://schemas.microsoft.com/office/drawing/2014/main" id="{8D06CE56-3881-4ADA-8CEF-D18B02C242A3}"/>
+              </a:ext>
+              <a:ext uri="{C183D7F6-B498-43B3-948B-1728B52AA6E4}">
+                <adec:decorative xmlns:adec="http://schemas.microsoft.com/office/drawing/2017/decorative" val="1"/>
+              </a:ext>
+            </a:extLst>
+          </p:cNvPr>
+          <p:cNvSpPr>
+            <a:spLocks noGrp="1" noRot="1" noChangeAspect="1" noMove="1" noResize="1" noEditPoints="1" noAdjustHandles="1" noChangeArrowheads="1" noChangeShapeType="1" noTextEdit="1"/>
+          </p:cNvSpPr>
+          <p:nvPr>
+            <p:extLst>
+              <p:ext uri="{386F3935-93C4-4BCD-93E2-E3B085C9AB24}">
+                <p16:designElem xmlns:p16="http://schemas.microsoft.com/office/powerpoint/2015/main" val="1"/>
+              </p:ext>
+            </p:extLst>
+          </p:nvPr>
+        </p:nvSpPr>
+        <p:spPr>
+          <a:xfrm rot="5400000">
+            <a:off x="857544" y="346791"/>
+            <a:ext cx="146304" cy="704088"/>
+          </a:xfrm>
+          <a:prstGeom prst="rect">
+            <a:avLst/>
+          </a:prstGeom>
+          <a:solidFill>
+            <a:schemeClr val="accent1"/>
+          </a:solidFill>
+          <a:ln>
+            <a:noFill/>
+          </a:ln>
+        </p:spPr>
+        <p:style>
+          <a:lnRef idx="2">
+            <a:schemeClr val="accent1">
+              <a:shade val="50000"/>
+            </a:schemeClr>
+          </a:lnRef>
+          <a:fillRef idx="1">
+            <a:schemeClr val="accent1"/>
+          </a:fillRef>
+          <a:effectRef idx="0">
+            <a:schemeClr val="accent1"/>
+          </a:effectRef>
+          <a:fontRef idx="minor">
+            <a:schemeClr val="lt1"/>
+          </a:fontRef>
+        </p:style>
+        <p:txBody>
+          <a:bodyPr rtlCol="0" anchor="ctr"/>
+          <a:lstStyle/>
+          <a:p>
+            <a:pPr marL="0" marR="0" lvl="0" indent="0" algn="ctr" defTabSz="914400" rtl="0" eaLnBrk="1" fontAlgn="auto" latinLnBrk="0" hangingPunct="1">
+              <a:lnSpc>
+                <a:spcPct val="100000"/>
+              </a:lnSpc>
+              <a:spcBef>
+                <a:spcPts val="0"/>
+              </a:spcBef>
+              <a:spcAft>
+                <a:spcPts val="0"/>
+              </a:spcAft>
+              <a:buClrTx/>
+              <a:buSzTx/>
+              <a:buFontTx/>
+              <a:buNone/>
+              <a:tabLst/>
+              <a:defRPr/>
+            </a:pPr>
+            <a:endParaRPr kumimoji="0" lang="en-US" sz="1800" b="0" i="0" u="none" strike="noStrike" kern="1200" cap="none" spc="0" normalizeH="0" baseline="0" noProof="0">
+              <a:ln>
+                <a:noFill/>
+              </a:ln>
+              <a:solidFill>
+                <a:prstClr val="white"/>
+              </a:solidFill>
+              <a:effectLst/>
+              <a:uLnTx/>
+              <a:uFillTx/>
+              <a:latin typeface="Calibri" panose="020F0502020204030204"/>
+              <a:ea typeface="+mn-ea"/>
+              <a:cs typeface="+mn-cs"/>
+            </a:endParaRPr>
+          </a:p>
+        </p:txBody>
+      </p:sp>
+      <p:sp>
+        <p:nvSpPr>
+          <p:cNvPr id="2066" name="Rectangle 78">
+            <a:extLst>
+              <a:ext uri="{FF2B5EF4-FFF2-40B4-BE49-F238E27FC236}">
+                <a16:creationId xmlns:a16="http://schemas.microsoft.com/office/drawing/2014/main" id="{79F3C543-62EC-4433-9C93-A2CD8764E9B4}"/>
+              </a:ext>
+              <a:ext uri="{C183D7F6-B498-43B3-948B-1728B52AA6E4}">
+                <adec:decorative xmlns:adec="http://schemas.microsoft.com/office/drawing/2017/decorative" val="1"/>
+              </a:ext>
+            </a:extLst>
+          </p:cNvPr>
+          <p:cNvSpPr>
+            <a:spLocks noGrp="1" noRot="1" noChangeAspect="1" noMove="1" noResize="1" noEditPoints="1" noAdjustHandles="1" noChangeArrowheads="1" noChangeShapeType="1" noTextEdit="1"/>
+          </p:cNvSpPr>
+          <p:nvPr>
+            <p:extLst>
+              <p:ext uri="{386F3935-93C4-4BCD-93E2-E3B085C9AB24}">
+                <p16:designElem xmlns:p16="http://schemas.microsoft.com/office/powerpoint/2015/main" val="1"/>
+              </p:ext>
+            </p:extLst>
+          </p:nvPr>
+        </p:nvSpPr>
+        <p:spPr>
+          <a:xfrm flipV="1">
+            <a:off x="578652" y="4501201"/>
+            <a:ext cx="11034696" cy="18288"/>
+          </a:xfrm>
+          <a:prstGeom prst="rect">
+            <a:avLst/>
+          </a:prstGeom>
+          <a:solidFill>
+            <a:schemeClr val="tx2">
+              <a:lumMod val="25000"/>
+              <a:lumOff val="75000"/>
+            </a:schemeClr>
+          </a:solidFill>
+          <a:ln w="3175">
+            <a:noFill/>
+          </a:ln>
+          <a:effectLst/>
+        </p:spPr>
+        <p:style>
+          <a:lnRef idx="2">
+            <a:schemeClr val="accent1">
+              <a:shade val="50000"/>
+            </a:schemeClr>
+          </a:lnRef>
+          <a:fillRef idx="1">
+            <a:schemeClr val="accent1"/>
+          </a:fillRef>
+          <a:effectRef idx="0">
+            <a:schemeClr val="accent1"/>
+          </a:effectRef>
+          <a:fontRef idx="minor">
+            <a:schemeClr val="lt1"/>
+          </a:fontRef>
+        </p:style>
+        <p:txBody>
+          <a:bodyPr rtlCol="0" anchor="ctr"/>
+          <a:lstStyle/>
+          <a:p>
+            <a:pPr marL="0" marR="0" lvl="0" indent="0" algn="ctr" defTabSz="914400" rtl="0" eaLnBrk="1" fontAlgn="auto" latinLnBrk="0" hangingPunct="1">
+              <a:lnSpc>
+                <a:spcPct val="100000"/>
+              </a:lnSpc>
+              <a:spcBef>
+                <a:spcPts val="0"/>
+              </a:spcBef>
+              <a:spcAft>
+                <a:spcPts val="0"/>
+              </a:spcAft>
+              <a:buClrTx/>
+              <a:buSzTx/>
+              <a:buFontTx/>
+              <a:buNone/>
+              <a:tabLst/>
+              <a:defRPr/>
+            </a:pPr>
+            <a:endParaRPr kumimoji="0" lang="en-US" sz="1800" b="0" i="0" u="none" strike="noStrike" kern="1200" cap="none" spc="0" normalizeH="0" baseline="0" noProof="0">
+              <a:ln>
+                <a:noFill/>
+              </a:ln>
+              <a:solidFill>
+                <a:prstClr val="white"/>
+              </a:solidFill>
+              <a:effectLst/>
+              <a:uLnTx/>
+              <a:uFillTx/>
+              <a:latin typeface="Calibri" panose="020F0502020204030204"/>
+              <a:ea typeface="+mn-ea"/>
+              <a:cs typeface="+mn-cs"/>
+            </a:endParaRPr>
+          </a:p>
+        </p:txBody>
+      </p:sp>
+      <p:sp useBgFill="1">
+        <p:nvSpPr>
+          <p:cNvPr id="2067" name="Rectangle 80">
+            <a:extLst>
+              <a:ext uri="{FF2B5EF4-FFF2-40B4-BE49-F238E27FC236}">
+                <a16:creationId xmlns:a16="http://schemas.microsoft.com/office/drawing/2014/main" id="{D7D12574-25F0-4BB1-AA48-9DE7527AF5F4}"/>
+              </a:ext>
+              <a:ext uri="{C183D7F6-B498-43B3-948B-1728B52AA6E4}">
+                <adec:decorative xmlns:adec="http://schemas.microsoft.com/office/drawing/2017/decorative" val="1"/>
+              </a:ext>
+            </a:extLst>
+          </p:cNvPr>
+          <p:cNvSpPr>
+            <a:spLocks noGrp="1" noRot="1" noChangeAspect="1" noMove="1" noResize="1" noEditPoints="1" noAdjustHandles="1" noChangeArrowheads="1" noChangeShapeType="1" noTextEdit="1"/>
+          </p:cNvSpPr>
+          <p:nvPr>
+            <p:extLst>
+              <p:ext uri="{386F3935-93C4-4BCD-93E2-E3B085C9AB24}">
+                <p16:designElem xmlns:p16="http://schemas.microsoft.com/office/powerpoint/2015/main" val="1"/>
+              </p:ext>
+            </p:extLst>
+          </p:nvPr>
+        </p:nvSpPr>
+        <p:spPr>
+          <a:xfrm>
+            <a:off x="0" y="0"/>
+            <a:ext cx="12192000" cy="6858000"/>
+          </a:xfrm>
+          <a:prstGeom prst="rect">
+            <a:avLst/>
+          </a:prstGeom>
+          <a:ln>
+            <a:noFill/>
+          </a:ln>
+        </p:spPr>
+        <p:style>
+          <a:lnRef idx="2">
+            <a:schemeClr val="accent1">
+              <a:shade val="50000"/>
+            </a:schemeClr>
+          </a:lnRef>
+          <a:fillRef idx="1">
+            <a:schemeClr val="accent1"/>
+          </a:fillRef>
+          <a:effectRef idx="0">
+            <a:schemeClr val="accent1"/>
+          </a:effectRef>
+          <a:fontRef idx="minor">
+            <a:schemeClr val="lt1"/>
+          </a:fontRef>
+        </p:style>
+        <p:txBody>
+          <a:bodyPr rtlCol="0" anchor="ctr"/>
+          <a:lstStyle/>
+          <a:p>
+            <a:pPr algn="ctr"/>
+            <a:endParaRPr lang="en-US"/>
+          </a:p>
+        </p:txBody>
+      </p:sp>
+      <p:sp useBgFill="1">
+        <p:nvSpPr>
+          <p:cNvPr id="2068" name="Rectangle 82">
+            <a:extLst>
+              <a:ext uri="{FF2B5EF4-FFF2-40B4-BE49-F238E27FC236}">
+                <a16:creationId xmlns:a16="http://schemas.microsoft.com/office/drawing/2014/main" id="{A3473CF9-37EB-43E7-89EF-D2D1C53D1DAC}"/>
+              </a:ext>
+              <a:ext uri="{C183D7F6-B498-43B3-948B-1728B52AA6E4}">
+                <adec:decorative xmlns:adec="http://schemas.microsoft.com/office/drawing/2017/decorative" val="1"/>
+              </a:ext>
+            </a:extLst>
+          </p:cNvPr>
+          <p:cNvSpPr>
+            <a:spLocks noGrp="1" noRot="1" noChangeAspect="1" noMove="1" noResize="1" noEditPoints="1" noAdjustHandles="1" noChangeArrowheads="1" noChangeShapeType="1" noTextEdit="1"/>
+          </p:cNvSpPr>
+          <p:nvPr>
+            <p:extLst>
+              <p:ext uri="{386F3935-93C4-4BCD-93E2-E3B085C9AB24}">
+                <p16:designElem xmlns:p16="http://schemas.microsoft.com/office/powerpoint/2015/main" val="1"/>
+              </p:ext>
+            </p:extLst>
+          </p:nvPr>
+        </p:nvSpPr>
+        <p:spPr>
+          <a:xfrm>
+            <a:off x="1903615" y="221673"/>
+            <a:ext cx="8384770" cy="1332634"/>
+          </a:xfrm>
+          <a:prstGeom prst="rect">
+            <a:avLst/>
+          </a:prstGeom>
+          <a:ln w="12700">
+            <a:solidFill>
+              <a:schemeClr val="tx2">
+                <a:lumMod val="10000"/>
+                <a:lumOff val="90000"/>
+              </a:schemeClr>
+            </a:solidFill>
+          </a:ln>
+          <a:effectLst>
+            <a:outerShdw blurRad="50800" dist="38100" dir="2700000" algn="tl" rotWithShape="0">
+              <a:schemeClr val="bg2">
+                <a:lumMod val="85000"/>
+                <a:alpha val="30000"/>
+              </a:schemeClr>
+            </a:outerShdw>
+          </a:effectLst>
+        </p:spPr>
+        <p:style>
+          <a:lnRef idx="2">
+            <a:schemeClr val="accent1">
+              <a:shade val="50000"/>
+            </a:schemeClr>
+          </a:lnRef>
+          <a:fillRef idx="1">
+            <a:schemeClr val="accent1"/>
+          </a:fillRef>
+          <a:effectRef idx="0">
+            <a:schemeClr val="accent1"/>
+          </a:effectRef>
+          <a:fontRef idx="minor">
+            <a:schemeClr val="lt1"/>
+          </a:fontRef>
+        </p:style>
+        <p:txBody>
+          <a:bodyPr rtlCol="0" anchor="ctr"/>
+          <a:lstStyle/>
+          <a:p>
+            <a:pPr marL="0" marR="0" lvl="0" indent="0" algn="ctr" defTabSz="914400" rtl="0" eaLnBrk="1" fontAlgn="auto" latinLnBrk="0" hangingPunct="1">
+              <a:lnSpc>
+                <a:spcPct val="100000"/>
+              </a:lnSpc>
+              <a:spcBef>
+                <a:spcPts val="0"/>
+              </a:spcBef>
+              <a:spcAft>
+                <a:spcPts val="0"/>
+              </a:spcAft>
+              <a:buClrTx/>
+              <a:buSzTx/>
+              <a:buFontTx/>
+              <a:buNone/>
+              <a:tabLst/>
+              <a:defRPr/>
+            </a:pPr>
+            <a:endParaRPr kumimoji="0" lang="en-US" sz="1800" b="0" i="0" u="none" strike="noStrike" kern="1200" cap="none" spc="0" normalizeH="0" baseline="0" noProof="0">
+              <a:ln>
+                <a:noFill/>
+              </a:ln>
+              <a:solidFill>
+                <a:prstClr val="white"/>
+              </a:solidFill>
+              <a:effectLst/>
+              <a:uLnTx/>
+              <a:uFillTx/>
+              <a:latin typeface="Calibri" panose="020F0502020204030204"/>
+              <a:ea typeface="+mn-ea"/>
+              <a:cs typeface="+mn-cs"/>
+            </a:endParaRPr>
+          </a:p>
+        </p:txBody>
+      </p:sp>
+      <p:sp>
+        <p:nvSpPr>
           <p:cNvPr id="2" name="Title 1">
             <a:extLst>
               <a:ext uri="{FF2B5EF4-FFF2-40B4-BE49-F238E27FC236}">
-                <a16:creationId xmlns:a16="http://schemas.microsoft.com/office/drawing/2014/main" id="{5B55111F-85AB-A647-ABDF-BC41029EF33B}"/>
+                <a16:creationId xmlns:a16="http://schemas.microsoft.com/office/drawing/2014/main" id="{76874A62-75DC-6949-AFD1-957B1863D1D6}"/>
               </a:ext>
             </a:extLst>
           </p:cNvPr>
@@ -6412,47 +7437,264 @@
             <p:ph type="title"/>
           </p:nvPr>
         </p:nvSpPr>
-        <p:spPr/>
-        <p:txBody>
-          <a:bodyPr/>
-          <a:lstStyle/>
-          <a:p>
-            <a:r>
-              <a:rPr lang="en-US" dirty="0"/>
-              <a:t>Implementation</a:t>
-            </a:r>
-          </a:p>
-        </p:txBody>
-      </p:sp>
-      <p:sp>
-        <p:nvSpPr>
-          <p:cNvPr id="3" name="Content Placeholder 2">
-            <a:extLst>
-              <a:ext uri="{FF2B5EF4-FFF2-40B4-BE49-F238E27FC236}">
-                <a16:creationId xmlns:a16="http://schemas.microsoft.com/office/drawing/2014/main" id="{80CE9837-92CD-5D42-8B04-766798B1124F}"/>
-              </a:ext>
-            </a:extLst>
-          </p:cNvPr>
-          <p:cNvSpPr>
-            <a:spLocks noGrp="1"/>
-          </p:cNvSpPr>
+        <p:spPr>
+          <a:xfrm>
+            <a:off x="2103121" y="310343"/>
+            <a:ext cx="7985759" cy="868823"/>
+          </a:xfrm>
+        </p:spPr>
+        <p:txBody>
+          <a:bodyPr vert="horz" lIns="91440" tIns="45720" rIns="91440" bIns="45720" rtlCol="0" anchor="ctr">
+            <a:normAutofit/>
+          </a:bodyPr>
+          <a:lstStyle/>
+          <a:p>
+            <a:pPr algn="ctr"/>
+            <a:r>
+              <a:rPr lang="en-US"/>
+              <a:t>Design</a:t>
+            </a:r>
+          </a:p>
+        </p:txBody>
+      </p:sp>
+      <p:sp>
+        <p:nvSpPr>
+          <p:cNvPr id="2069" name="Rectangle: Rounded Corners 84">
+            <a:extLst>
+              <a:ext uri="{FF2B5EF4-FFF2-40B4-BE49-F238E27FC236}">
+                <a16:creationId xmlns:a16="http://schemas.microsoft.com/office/drawing/2014/main" id="{586B4EF9-43BA-4655-A6FF-1D8E21574C95}"/>
+              </a:ext>
+              <a:ext uri="{C183D7F6-B498-43B3-948B-1728B52AA6E4}">
+                <adec:decorative xmlns:adec="http://schemas.microsoft.com/office/drawing/2017/decorative" val="1"/>
+              </a:ext>
+            </a:extLst>
+          </p:cNvPr>
+          <p:cNvSpPr>
+            <a:spLocks noGrp="1" noRot="1" noChangeAspect="1" noMove="1" noResize="1" noEditPoints="1" noAdjustHandles="1" noChangeArrowheads="1" noChangeShapeType="1" noTextEdit="1"/>
+          </p:cNvSpPr>
+          <p:nvPr>
+            <p:extLst>
+              <p:ext uri="{386F3935-93C4-4BCD-93E2-E3B085C9AB24}">
+                <p16:designElem xmlns:p16="http://schemas.microsoft.com/office/powerpoint/2015/main" val="1"/>
+              </p:ext>
+            </p:extLst>
+          </p:nvPr>
+        </p:nvSpPr>
+        <p:spPr>
+          <a:xfrm>
+            <a:off x="2483110" y="1211407"/>
+            <a:ext cx="7225780" cy="685800"/>
+          </a:xfrm>
+          <a:prstGeom prst="roundRect">
+            <a:avLst>
+              <a:gd name="adj" fmla="val 0"/>
+            </a:avLst>
+          </a:prstGeom>
+          <a:solidFill>
+            <a:schemeClr val="accent1"/>
+          </a:solidFill>
+          <a:ln>
+            <a:noFill/>
+          </a:ln>
+        </p:spPr>
+        <p:style>
+          <a:lnRef idx="2">
+            <a:schemeClr val="accent1">
+              <a:shade val="50000"/>
+            </a:schemeClr>
+          </a:lnRef>
+          <a:fillRef idx="1">
+            <a:schemeClr val="accent1"/>
+          </a:fillRef>
+          <a:effectRef idx="0">
+            <a:schemeClr val="accent1"/>
+          </a:effectRef>
+          <a:fontRef idx="minor">
+            <a:schemeClr val="lt1"/>
+          </a:fontRef>
+        </p:style>
+        <p:txBody>
+          <a:bodyPr rtlCol="0" anchor="ctr"/>
+          <a:lstStyle/>
+          <a:p>
+            <a:pPr marL="0" marR="0" lvl="0" indent="0" algn="ctr" defTabSz="914400" rtl="0" eaLnBrk="1" fontAlgn="auto" latinLnBrk="0" hangingPunct="1">
+              <a:lnSpc>
+                <a:spcPct val="100000"/>
+              </a:lnSpc>
+              <a:spcBef>
+                <a:spcPts val="0"/>
+              </a:spcBef>
+              <a:spcAft>
+                <a:spcPts val="0"/>
+              </a:spcAft>
+              <a:buClrTx/>
+              <a:buSzTx/>
+              <a:buFontTx/>
+              <a:buNone/>
+              <a:tabLst/>
+              <a:defRPr/>
+            </a:pPr>
+            <a:endParaRPr kumimoji="0" lang="en-US" sz="1800" b="0" i="0" u="none" strike="noStrike" kern="1200" cap="none" spc="0" normalizeH="0" baseline="0" noProof="0">
+              <a:ln>
+                <a:noFill/>
+              </a:ln>
+              <a:solidFill>
+                <a:prstClr val="white"/>
+              </a:solidFill>
+              <a:effectLst/>
+              <a:uLnTx/>
+              <a:uFillTx/>
+              <a:latin typeface="Avenir Next LT Pro"/>
+              <a:ea typeface="+mn-ea"/>
+              <a:cs typeface="+mn-cs"/>
+            </a:endParaRPr>
+          </a:p>
+        </p:txBody>
+      </p:sp>
+      <p:pic>
+        <p:nvPicPr>
+          <p:cNvPr id="2056" name="Picture 8" descr="sign-up">
+            <a:extLst>
+              <a:ext uri="{FF2B5EF4-FFF2-40B4-BE49-F238E27FC236}">
+                <a16:creationId xmlns:a16="http://schemas.microsoft.com/office/drawing/2014/main" id="{3A0866BA-86A7-FB4A-BFE3-5AE0D6DEF20B}"/>
+              </a:ext>
+            </a:extLst>
+          </p:cNvPr>
+          <p:cNvPicPr>
+            <a:picLocks noChangeAspect="1" noChangeArrowheads="1"/>
+          </p:cNvPicPr>
+          <p:nvPr/>
+        </p:nvPicPr>
+        <p:blipFill>
+          <a:blip r:embed="rId2">
+            <a:extLst>
+              <a:ext uri="{28A0092B-C50C-407E-A947-70E740481C1C}">
+                <a14:useLocalDpi xmlns:a14="http://schemas.microsoft.com/office/drawing/2010/main" val="0"/>
+              </a:ext>
+            </a:extLst>
+          </a:blip>
+          <a:stretch>
+            <a:fillRect/>
+          </a:stretch>
+        </p:blipFill>
+        <p:spPr bwMode="auto">
+          <a:xfrm>
+            <a:off x="4281972" y="2629998"/>
+            <a:ext cx="3703320" cy="3360761"/>
+          </a:xfrm>
+          <a:prstGeom prst="rect">
+            <a:avLst/>
+          </a:prstGeom>
+          <a:noFill/>
+          <a:extLst>
+            <a:ext uri="{909E8E84-426E-40DD-AFC4-6F175D3DCCD1}">
+              <a14:hiddenFill xmlns:a14="http://schemas.microsoft.com/office/drawing/2010/main">
+                <a:solidFill>
+                  <a:srgbClr val="FFFFFF"/>
+                </a:solidFill>
+              </a14:hiddenFill>
+            </a:ext>
+          </a:extLst>
+        </p:spPr>
+      </p:pic>
+      <p:pic>
+        <p:nvPicPr>
+          <p:cNvPr id="2054" name="Picture 6" descr="job-seeker">
+            <a:extLst>
+              <a:ext uri="{FF2B5EF4-FFF2-40B4-BE49-F238E27FC236}">
+                <a16:creationId xmlns:a16="http://schemas.microsoft.com/office/drawing/2014/main" id="{BA85E386-740D-194C-8A0D-DEFCAB225F23}"/>
+              </a:ext>
+            </a:extLst>
+          </p:cNvPr>
+          <p:cNvPicPr>
+            <a:picLocks noChangeAspect="1" noChangeArrowheads="1"/>
+          </p:cNvPicPr>
+          <p:nvPr/>
+        </p:nvPicPr>
+        <p:blipFill>
+          <a:blip r:embed="rId3">
+            <a:extLst>
+              <a:ext uri="{28A0092B-C50C-407E-A947-70E740481C1C}">
+                <a14:useLocalDpi xmlns:a14="http://schemas.microsoft.com/office/drawing/2010/main" val="0"/>
+              </a:ext>
+            </a:extLst>
+          </a:blip>
+          <a:stretch>
+            <a:fillRect/>
+          </a:stretch>
+        </p:blipFill>
+        <p:spPr bwMode="auto">
+          <a:xfrm>
+            <a:off x="375886" y="2870714"/>
+            <a:ext cx="3703320" cy="2879330"/>
+          </a:xfrm>
+          <a:prstGeom prst="rect">
+            <a:avLst/>
+          </a:prstGeom>
+          <a:noFill/>
+          <a:extLst>
+            <a:ext uri="{909E8E84-426E-40DD-AFC4-6F175D3DCCD1}">
+              <a14:hiddenFill xmlns:a14="http://schemas.microsoft.com/office/drawing/2010/main">
+                <a:solidFill>
+                  <a:srgbClr val="FFFFFF"/>
+                </a:solidFill>
+              </a14:hiddenFill>
+            </a:ext>
+          </a:extLst>
+        </p:spPr>
+      </p:pic>
+      <p:pic>
+        <p:nvPicPr>
+          <p:cNvPr id="2052" name="Picture 4" descr="Home">
+            <a:extLst>
+              <a:ext uri="{FF2B5EF4-FFF2-40B4-BE49-F238E27FC236}">
+                <a16:creationId xmlns:a16="http://schemas.microsoft.com/office/drawing/2014/main" id="{19BC22BD-CE9E-184F-A452-260CFC933783}"/>
+              </a:ext>
+            </a:extLst>
+          </p:cNvPr>
+          <p:cNvPicPr>
+            <a:picLocks noGrp="1" noChangeAspect="1" noChangeArrowheads="1"/>
+          </p:cNvPicPr>
           <p:nvPr>
             <p:ph idx="1"/>
           </p:nvPr>
-        </p:nvSpPr>
-        <p:spPr/>
-        <p:txBody>
-          <a:bodyPr/>
-          <a:lstStyle/>
-          <a:p>
-            <a:endParaRPr lang="en-US"/>
-          </a:p>
-        </p:txBody>
-      </p:sp>
+        </p:nvPicPr>
+        <p:blipFill>
+          <a:blip r:embed="rId4">
+            <a:extLst>
+              <a:ext uri="{28A0092B-C50C-407E-A947-70E740481C1C}">
+                <a14:useLocalDpi xmlns:a14="http://schemas.microsoft.com/office/drawing/2010/main" val="0"/>
+              </a:ext>
+            </a:extLst>
+          </a:blip>
+          <a:stretch>
+            <a:fillRect/>
+          </a:stretch>
+        </p:blipFill>
+        <p:spPr bwMode="auto">
+          <a:xfrm>
+            <a:off x="8080318" y="2839108"/>
+            <a:ext cx="3788594" cy="2879330"/>
+          </a:xfrm>
+          <a:prstGeom prst="rect">
+            <a:avLst/>
+          </a:prstGeom>
+          <a:noFill/>
+          <a:extLst>
+            <a:ext uri="{909E8E84-426E-40DD-AFC4-6F175D3DCCD1}">
+              <a14:hiddenFill xmlns:a14="http://schemas.microsoft.com/office/drawing/2010/main">
+                <a:solidFill>
+                  <a:srgbClr val="FFFFFF"/>
+                </a:solidFill>
+              </a14:hiddenFill>
+            </a:ext>
+          </a:extLst>
+        </p:spPr>
+      </p:pic>
     </p:spTree>
     <p:extLst>
       <p:ext uri="{BB962C8B-B14F-4D97-AF65-F5344CB8AC3E}">
-        <p14:creationId xmlns:p14="http://schemas.microsoft.com/office/powerpoint/2010/main" val="2542246918"/>
+        <p14:creationId xmlns:p14="http://schemas.microsoft.com/office/powerpoint/2010/main" val="302917467"/>
       </p:ext>
     </p:extLst>
   </p:cSld>
@@ -6484,7 +7726,7 @@
           <p:cNvPr id="2" name="Title 1">
             <a:extLst>
               <a:ext uri="{FF2B5EF4-FFF2-40B4-BE49-F238E27FC236}">
-                <a16:creationId xmlns:a16="http://schemas.microsoft.com/office/drawing/2014/main" id="{2E150A3F-6D65-4144-B797-B0F6395A44AD}"/>
+                <a16:creationId xmlns:a16="http://schemas.microsoft.com/office/drawing/2014/main" id="{CC7FEE3F-F292-0A4A-946E-A9437FB8032F}"/>
               </a:ext>
             </a:extLst>
           </p:cNvPr>
@@ -6502,7 +7744,7 @@
           <a:p>
             <a:r>
               <a:rPr lang="en-US" dirty="0"/>
-              <a:t>Demo</a:t>
+              <a:t>Project Wiki</a:t>
             </a:r>
           </a:p>
         </p:txBody>
@@ -6512,7 +7754,7 @@
           <p:cNvPr id="3" name="Content Placeholder 2">
             <a:extLst>
               <a:ext uri="{FF2B5EF4-FFF2-40B4-BE49-F238E27FC236}">
-                <a16:creationId xmlns:a16="http://schemas.microsoft.com/office/drawing/2014/main" id="{14BDBE1F-B2DF-E742-A5E0-7403D533DACF}"/>
+                <a16:creationId xmlns:a16="http://schemas.microsoft.com/office/drawing/2014/main" id="{C0DE8CC7-AE0B-1840-B96F-F59AA86F41F4}"/>
               </a:ext>
             </a:extLst>
           </p:cNvPr>
@@ -6528,14 +7770,55 @@
           <a:bodyPr/>
           <a:lstStyle/>
           <a:p>
-            <a:endParaRPr lang="en-US"/>
+            <a:pPr marL="0" indent="0">
+              <a:buNone/>
+            </a:pPr>
+            <a:endParaRPr lang="en-US" dirty="0">
+              <a:hlinkClick r:id="rId2"/>
+            </a:endParaRPr>
+          </a:p>
+          <a:p>
+            <a:r>
+              <a:rPr lang="en-US" dirty="0">
+                <a:hlinkClick r:id="rId3"/>
+              </a:rPr>
+              <a:t>Home</a:t>
+            </a:r>
+            <a:endParaRPr lang="en-US" dirty="0"/>
+          </a:p>
+          <a:p>
+            <a:r>
+              <a:rPr lang="en-US" dirty="0">
+                <a:hlinkClick r:id="rId4"/>
+              </a:rPr>
+              <a:t>Design</a:t>
+            </a:r>
+            <a:endParaRPr lang="en-US" dirty="0"/>
+          </a:p>
+          <a:p>
+            <a:r>
+              <a:rPr lang="en-US" dirty="0">
+                <a:hlinkClick r:id="rId2"/>
+              </a:rPr>
+              <a:t>Diagrams</a:t>
+            </a:r>
+            <a:endParaRPr lang="en-US" dirty="0"/>
+          </a:p>
+          <a:p>
+            <a:r>
+              <a:rPr lang="en-US" dirty="0">
+                <a:hlinkClick r:id="rId5"/>
+              </a:rPr>
+              <a:t>Architecture Diagram</a:t>
+            </a:r>
+            <a:endParaRPr lang="en-US" dirty="0"/>
           </a:p>
         </p:txBody>
       </p:sp>
     </p:spTree>
     <p:extLst>
       <p:ext uri="{BB962C8B-B14F-4D97-AF65-F5344CB8AC3E}">
-        <p14:creationId xmlns:p14="http://schemas.microsoft.com/office/powerpoint/2010/main" val="4244501427"/>
+        <p14:creationId xmlns:p14="http://schemas.microsoft.com/office/powerpoint/2010/main" val="3763316700"/>
       </p:ext>
     </p:extLst>
   </p:cSld>
@@ -6567,7 +7850,7 @@
           <p:cNvPr id="2" name="Title 1">
             <a:extLst>
               <a:ext uri="{FF2B5EF4-FFF2-40B4-BE49-F238E27FC236}">
-                <a16:creationId xmlns:a16="http://schemas.microsoft.com/office/drawing/2014/main" id="{98149328-0196-F441-BA63-11F1EA236802}"/>
+                <a16:creationId xmlns:a16="http://schemas.microsoft.com/office/drawing/2014/main" id="{D07D325B-C8ED-8446-89EE-655C357A4C80}"/>
               </a:ext>
             </a:extLst>
           </p:cNvPr>
@@ -6584,8 +7867,8 @@
           <a:lstStyle/>
           <a:p>
             <a:r>
-              <a:rPr lang="en-US"/>
-              <a:t>Conclusion</a:t>
+              <a:rPr lang="en-US" dirty="0"/>
+              <a:t>Tools</a:t>
             </a:r>
           </a:p>
         </p:txBody>
@@ -6595,7 +7878,7 @@
           <p:cNvPr id="3" name="Content Placeholder 2">
             <a:extLst>
               <a:ext uri="{FF2B5EF4-FFF2-40B4-BE49-F238E27FC236}">
-                <a16:creationId xmlns:a16="http://schemas.microsoft.com/office/drawing/2014/main" id="{9C6774FF-BF21-9F4B-9371-3FE18646CC51}"/>
+                <a16:creationId xmlns:a16="http://schemas.microsoft.com/office/drawing/2014/main" id="{4CD1E30E-03FA-2E4C-ACF6-9ADE5DFCAC4F}"/>
               </a:ext>
             </a:extLst>
           </p:cNvPr>
@@ -6608,17 +7891,168 @@
         </p:nvSpPr>
         <p:spPr/>
         <p:txBody>
-          <a:bodyPr/>
-          <a:lstStyle/>
-          <a:p>
-            <a:endParaRPr lang="en-US"/>
+          <a:bodyPr>
+            <a:normAutofit/>
+          </a:bodyPr>
+          <a:lstStyle/>
+          <a:p>
+            <a:r>
+              <a:rPr lang="en-US" sz="1800" dirty="0"/>
+              <a:t>Kanban is a framework used to implement agile and it represents the work visually. The board is made up of: visual signals (stickies, tickets, or otherwise), columns, Work In Progress (WIP) limits, commitment points, and delivery points (Atlassian, What is a Kanban Board?).</a:t>
+            </a:r>
+          </a:p>
+          <a:p>
+            <a:r>
+              <a:rPr lang="en-US" sz="1800" dirty="0"/>
+              <a:t>AppSync is AWS's version of </a:t>
+            </a:r>
+            <a:r>
+              <a:rPr lang="en-US" sz="1800" dirty="0" err="1"/>
+              <a:t>GraphQL</a:t>
+            </a:r>
+            <a:r>
+              <a:rPr lang="en-US" sz="1800" dirty="0"/>
+              <a:t> as a Service. "AWS AppSync is a fully managed service that makes it easy to develop </a:t>
+            </a:r>
+            <a:r>
+              <a:rPr lang="en-US" sz="1800" dirty="0" err="1"/>
+              <a:t>GraphQL</a:t>
+            </a:r>
+            <a:r>
+              <a:rPr lang="en-US" sz="1800" dirty="0"/>
+              <a:t> APIs by handling the heavy lifting of securely connecting to data sources like AWS DynamoDB, Lambda, and more." (AWS, AppSync </a:t>
+            </a:r>
+            <a:r>
+              <a:rPr lang="en-US" sz="1800" dirty="0" err="1"/>
+              <a:t>n.d</a:t>
+            </a:r>
+            <a:r>
+              <a:rPr lang="en-US" sz="1800" dirty="0"/>
+              <a:t>)</a:t>
+            </a:r>
+            <a:endParaRPr lang="en-US" sz="1800" b="1" dirty="0"/>
+          </a:p>
+          <a:p>
+            <a:r>
+              <a:rPr lang="en-US" sz="1800" dirty="0"/>
+              <a:t>Amazon Cognito lets you add user sign-up, sign-in, and access control to your web and mobile apps quickly and easily. (AWS, Cognito, n.d.)</a:t>
+            </a:r>
+            <a:endParaRPr lang="en-US" sz="1800" b="1" dirty="0"/>
+          </a:p>
+          <a:p>
+            <a:endParaRPr lang="en-US" sz="1800" dirty="0"/>
           </a:p>
         </p:txBody>
       </p:sp>
     </p:spTree>
     <p:extLst>
       <p:ext uri="{BB962C8B-B14F-4D97-AF65-F5344CB8AC3E}">
-        <p14:creationId xmlns:p14="http://schemas.microsoft.com/office/powerpoint/2010/main" val="2746271444"/>
+        <p14:creationId xmlns:p14="http://schemas.microsoft.com/office/powerpoint/2010/main" val="3781525515"/>
+      </p:ext>
+    </p:extLst>
+  </p:cSld>
+  <p:clrMapOvr>
+    <a:masterClrMapping/>
+  </p:clrMapOvr>
+</p:sld>
+</file>
+
+<file path=ppt/slides/slide9.xml><?xml version="1.0" encoding="utf-8"?>
+<p:sld xmlns:a="http://schemas.openxmlformats.org/drawingml/2006/main" xmlns:r="http://schemas.openxmlformats.org/officeDocument/2006/relationships" xmlns:p="http://schemas.openxmlformats.org/presentationml/2006/main">
+  <p:cSld>
+    <p:spTree>
+      <p:nvGrpSpPr>
+        <p:cNvPr id="1" name=""/>
+        <p:cNvGrpSpPr/>
+        <p:nvPr/>
+      </p:nvGrpSpPr>
+      <p:grpSpPr>
+        <a:xfrm>
+          <a:off x="0" y="0"/>
+          <a:ext cx="0" cy="0"/>
+          <a:chOff x="0" y="0"/>
+          <a:chExt cx="0" cy="0"/>
+        </a:xfrm>
+      </p:grpSpPr>
+      <p:sp>
+        <p:nvSpPr>
+          <p:cNvPr id="2" name="Title 1">
+            <a:extLst>
+              <a:ext uri="{FF2B5EF4-FFF2-40B4-BE49-F238E27FC236}">
+                <a16:creationId xmlns:a16="http://schemas.microsoft.com/office/drawing/2014/main" id="{A5335424-7114-7C48-BBB9-2C618EB4D0DA}"/>
+              </a:ext>
+            </a:extLst>
+          </p:cNvPr>
+          <p:cNvSpPr>
+            <a:spLocks noGrp="1"/>
+          </p:cNvSpPr>
+          <p:nvPr>
+            <p:ph type="title"/>
+          </p:nvPr>
+        </p:nvSpPr>
+        <p:spPr/>
+        <p:txBody>
+          <a:bodyPr/>
+          <a:lstStyle/>
+          <a:p>
+            <a:r>
+              <a:rPr lang="en-US" dirty="0"/>
+              <a:t>E2E Architecture</a:t>
+            </a:r>
+          </a:p>
+        </p:txBody>
+      </p:sp>
+      <p:pic>
+        <p:nvPicPr>
+          <p:cNvPr id="3074" name="Picture 2" descr="E2E - Architecture">
+            <a:extLst>
+              <a:ext uri="{FF2B5EF4-FFF2-40B4-BE49-F238E27FC236}">
+                <a16:creationId xmlns:a16="http://schemas.microsoft.com/office/drawing/2014/main" id="{3E96E830-6226-2645-B2B4-484C1CD5CD43}"/>
+              </a:ext>
+            </a:extLst>
+          </p:cNvPr>
+          <p:cNvPicPr>
+            <a:picLocks noChangeAspect="1" noChangeArrowheads="1"/>
+          </p:cNvPicPr>
+          <p:nvPr/>
+        </p:nvPicPr>
+        <p:blipFill>
+          <a:blip r:embed="rId2">
+            <a:extLst>
+              <a:ext uri="{28A0092B-C50C-407E-A947-70E740481C1C}">
+                <a14:useLocalDpi xmlns:a14="http://schemas.microsoft.com/office/drawing/2010/main" val="0"/>
+              </a:ext>
+            </a:extLst>
+          </a:blip>
+          <a:srcRect/>
+          <a:stretch>
+            <a:fillRect/>
+          </a:stretch>
+        </p:blipFill>
+        <p:spPr bwMode="auto">
+          <a:xfrm>
+            <a:off x="702912" y="2028585"/>
+            <a:ext cx="10063162" cy="4280775"/>
+          </a:xfrm>
+          <a:prstGeom prst="rect">
+            <a:avLst/>
+          </a:prstGeom>
+          <a:noFill/>
+          <a:extLst>
+            <a:ext uri="{909E8E84-426E-40DD-AFC4-6F175D3DCCD1}">
+              <a14:hiddenFill xmlns:a14="http://schemas.microsoft.com/office/drawing/2010/main">
+                <a:solidFill>
+                  <a:srgbClr val="FFFFFF"/>
+                </a:solidFill>
+              </a14:hiddenFill>
+            </a:ext>
+          </a:extLst>
+        </p:spPr>
+      </p:pic>
+    </p:spTree>
+    <p:extLst>
+      <p:ext uri="{BB962C8B-B14F-4D97-AF65-F5344CB8AC3E}">
+        <p14:creationId xmlns:p14="http://schemas.microsoft.com/office/powerpoint/2010/main" val="150859288"/>
       </p:ext>
     </p:extLst>
   </p:cSld>
